--- a/presentation/pptx/drawings.pptx
+++ b/presentation/pptx/drawings.pptx
@@ -109,6 +109,11 @@
       </a:defRPr>
     </a:lvl9pPr>
   </p:defaultTextStyle>
+  <p:extLst>
+    <p:ext uri="{EFAFB233-063F-42B5-8137-9DF3F51BA10A}">
+      <p15:sldGuideLst xmlns:p15="http://schemas.microsoft.com/office/powerpoint/2012/main"/>
+    </p:ext>
+  </p:extLst>
 </p:presentation>
 </file>
 
@@ -3984,11 +3989,7 @@
             <a:pPr algn="ctr"/>
             <a:r>
               <a:rPr lang="en-US" sz="1200" dirty="0" smtClean="0"/>
-              <a:t>Readings </a:t>
-            </a:r>
-            <a:r>
-              <a:rPr lang="en-US" sz="1200" dirty="0" smtClean="0"/>
-              <a:t>(Test) </a:t>
+              <a:t>Readings (Test) </a:t>
             </a:r>
             <a:endParaRPr lang="en-US" sz="1200" dirty="0"/>
           </a:p>
@@ -4677,11 +4678,7 @@
             <a:pPr algn="ctr"/>
             <a:r>
               <a:rPr lang="en-US" sz="1200" dirty="0" smtClean="0"/>
-              <a:t>Readings </a:t>
-            </a:r>
-            <a:r>
-              <a:rPr lang="en-US" sz="1200" dirty="0" smtClean="0"/>
-              <a:t>(Test) </a:t>
+              <a:t>Readings (Test) </a:t>
             </a:r>
             <a:endParaRPr lang="en-US" sz="1200" dirty="0"/>
           </a:p>
@@ -5322,11 +5319,7 @@
             <a:pPr algn="ctr"/>
             <a:r>
               <a:rPr lang="en-US" sz="1200" dirty="0" smtClean="0"/>
-              <a:t>Readings </a:t>
-            </a:r>
-            <a:r>
-              <a:rPr lang="en-US" sz="1200" dirty="0" smtClean="0"/>
-              <a:t>(Test) </a:t>
+              <a:t>Readings (Test) </a:t>
             </a:r>
             <a:endParaRPr lang="en-US" sz="1200" dirty="0"/>
           </a:p>
@@ -6015,11 +6008,7 @@
             <a:pPr algn="ctr"/>
             <a:r>
               <a:rPr lang="en-US" sz="1200" dirty="0" smtClean="0"/>
-              <a:t>Readings </a:t>
-            </a:r>
-            <a:r>
-              <a:rPr lang="en-US" sz="1200" dirty="0" smtClean="0"/>
-              <a:t>(Test) </a:t>
+              <a:t>Readings (Test) </a:t>
             </a:r>
             <a:endParaRPr lang="en-US" sz="1200" dirty="0"/>
           </a:p>
@@ -6660,11 +6649,7 @@
             <a:pPr algn="ctr"/>
             <a:r>
               <a:rPr lang="en-US" sz="1200" dirty="0" smtClean="0"/>
-              <a:t>Readings </a:t>
-            </a:r>
-            <a:r>
-              <a:rPr lang="en-US" sz="1200" dirty="0" smtClean="0"/>
-              <a:t>(Test) </a:t>
+              <a:t>Readings (Test) </a:t>
             </a:r>
             <a:endParaRPr lang="en-US" sz="1200" dirty="0"/>
           </a:p>
@@ -6979,7 +6964,11 @@
             <a:pPr algn="ctr"/>
             <a:r>
               <a:rPr lang="en-US" sz="1200" dirty="0" smtClean="0"/>
-              <a:t>Activity Classifier</a:t>
+              <a:t>Subject Activity </a:t>
+            </a:r>
+            <a:r>
+              <a:rPr lang="en-US" sz="1200" dirty="0" smtClean="0"/>
+              <a:t>Classifier</a:t>
             </a:r>
             <a:endParaRPr lang="en-US" sz="1200" dirty="0"/>
           </a:p>
